--- a/images/gel.pptx
+++ b/images/gel.pptx
@@ -2986,7 +2986,7 @@
         </p:blipFill>
         <p:spPr>
           <a:xfrm>
-            <a:off x="0" y="-295277"/>
+            <a:off x="0" y="-286374"/>
             <a:ext cx="12192000" cy="9113134"/>
           </a:xfrm>
           <a:prstGeom prst="rect">
@@ -4042,6 +4042,802 @@
                 </a:effectLst>
               </a:rPr>
               <a:t> </a:t>
+            </a:r>
+            <a:endParaRPr lang="en-US" sz="1400" b="0" cap="none" spc="0" dirty="0">
+              <a:ln w="0"/>
+              <a:solidFill>
+                <a:schemeClr val="accent1"/>
+              </a:solidFill>
+              <a:effectLst>
+                <a:outerShdw blurRad="38100" dist="25400" dir="5400000" algn="ctr" rotWithShape="0">
+                  <a:srgbClr val="6E747A">
+                    <a:alpha val="43000"/>
+                  </a:srgbClr>
+                </a:outerShdw>
+              </a:effectLst>
+            </a:endParaRPr>
+          </a:p>
+        </p:txBody>
+      </p:sp>
+      <p:sp>
+        <p:nvSpPr>
+          <p:cNvPr id="29" name="TextBox 28"/>
+          <p:cNvSpPr txBox="1"/>
+          <p:nvPr/>
+        </p:nvSpPr>
+        <p:spPr>
+          <a:xfrm>
+            <a:off x="2820307" y="4424082"/>
+            <a:ext cx="184731" cy="369332"/>
+          </a:xfrm>
+          <a:prstGeom prst="rect">
+            <a:avLst/>
+          </a:prstGeom>
+          <a:noFill/>
+        </p:spPr>
+        <p:txBody>
+          <a:bodyPr wrap="none" rtlCol="0">
+            <a:spAutoFit/>
+          </a:bodyPr>
+          <a:lstStyle/>
+          <a:p>
+            <a:endParaRPr lang="en-US" dirty="0"/>
+          </a:p>
+        </p:txBody>
+      </p:sp>
+      <p:sp>
+        <p:nvSpPr>
+          <p:cNvPr id="30" name="Rectangle 29"/>
+          <p:cNvSpPr/>
+          <p:nvPr/>
+        </p:nvSpPr>
+        <p:spPr>
+          <a:xfrm>
+            <a:off x="2340428" y="4270193"/>
+            <a:ext cx="536622" cy="307777"/>
+          </a:xfrm>
+          <a:prstGeom prst="rect">
+            <a:avLst/>
+          </a:prstGeom>
+          <a:noFill/>
+        </p:spPr>
+        <p:txBody>
+          <a:bodyPr wrap="none" lIns="91440" tIns="45720" rIns="91440" bIns="45720">
+            <a:spAutoFit/>
+          </a:bodyPr>
+          <a:lstStyle/>
+          <a:p>
+            <a:pPr algn="ctr"/>
+            <a:r>
+              <a:rPr lang="en-US" sz="1400" b="0" cap="none" spc="0" smtClean="0">
+                <a:ln w="0"/>
+                <a:solidFill>
+                  <a:schemeClr val="accent1"/>
+                </a:solidFill>
+                <a:effectLst>
+                  <a:outerShdw blurRad="38100" dist="25400" dir="5400000" algn="ctr" rotWithShape="0">
+                    <a:srgbClr val="6E747A">
+                      <a:alpha val="43000"/>
+                    </a:srgbClr>
+                  </a:outerShdw>
+                </a:effectLst>
+              </a:rPr>
+              <a:t>Here</a:t>
+            </a:r>
+            <a:endParaRPr lang="en-US" sz="1400" b="0" cap="none" spc="0" dirty="0">
+              <a:ln w="0"/>
+              <a:solidFill>
+                <a:schemeClr val="accent1"/>
+              </a:solidFill>
+              <a:effectLst>
+                <a:outerShdw blurRad="38100" dist="25400" dir="5400000" algn="ctr" rotWithShape="0">
+                  <a:srgbClr val="6E747A">
+                    <a:alpha val="43000"/>
+                  </a:srgbClr>
+                </a:outerShdw>
+              </a:effectLst>
+            </a:endParaRPr>
+          </a:p>
+        </p:txBody>
+      </p:sp>
+      <p:sp>
+        <p:nvSpPr>
+          <p:cNvPr id="31" name="Rectangle 30"/>
+          <p:cNvSpPr/>
+          <p:nvPr/>
+        </p:nvSpPr>
+        <p:spPr>
+          <a:xfrm>
+            <a:off x="2492828" y="4422593"/>
+            <a:ext cx="536622" cy="307777"/>
+          </a:xfrm>
+          <a:prstGeom prst="rect">
+            <a:avLst/>
+          </a:prstGeom>
+          <a:noFill/>
+        </p:spPr>
+        <p:txBody>
+          <a:bodyPr wrap="none" lIns="91440" tIns="45720" rIns="91440" bIns="45720">
+            <a:spAutoFit/>
+          </a:bodyPr>
+          <a:lstStyle/>
+          <a:p>
+            <a:pPr algn="ctr"/>
+            <a:r>
+              <a:rPr lang="en-US" sz="1400" b="0" cap="none" spc="0" smtClean="0">
+                <a:ln w="0"/>
+                <a:solidFill>
+                  <a:schemeClr val="accent1"/>
+                </a:solidFill>
+                <a:effectLst>
+                  <a:outerShdw blurRad="38100" dist="25400" dir="5400000" algn="ctr" rotWithShape="0">
+                    <a:srgbClr val="6E747A">
+                      <a:alpha val="43000"/>
+                    </a:srgbClr>
+                  </a:outerShdw>
+                </a:effectLst>
+              </a:rPr>
+              <a:t>Here</a:t>
+            </a:r>
+            <a:endParaRPr lang="en-US" sz="1400" b="0" cap="none" spc="0" dirty="0">
+              <a:ln w="0"/>
+              <a:solidFill>
+                <a:schemeClr val="accent1"/>
+              </a:solidFill>
+              <a:effectLst>
+                <a:outerShdw blurRad="38100" dist="25400" dir="5400000" algn="ctr" rotWithShape="0">
+                  <a:srgbClr val="6E747A">
+                    <a:alpha val="43000"/>
+                  </a:srgbClr>
+                </a:outerShdw>
+              </a:effectLst>
+            </a:endParaRPr>
+          </a:p>
+        </p:txBody>
+      </p:sp>
+      <p:sp>
+        <p:nvSpPr>
+          <p:cNvPr id="32" name="Rectangle 31"/>
+          <p:cNvSpPr/>
+          <p:nvPr/>
+        </p:nvSpPr>
+        <p:spPr>
+          <a:xfrm>
+            <a:off x="2551996" y="4584257"/>
+            <a:ext cx="536622" cy="307777"/>
+          </a:xfrm>
+          <a:prstGeom prst="rect">
+            <a:avLst/>
+          </a:prstGeom>
+          <a:noFill/>
+        </p:spPr>
+        <p:txBody>
+          <a:bodyPr wrap="none" lIns="91440" tIns="45720" rIns="91440" bIns="45720">
+            <a:spAutoFit/>
+          </a:bodyPr>
+          <a:lstStyle/>
+          <a:p>
+            <a:pPr algn="ctr"/>
+            <a:r>
+              <a:rPr lang="en-US" sz="1400" b="0" cap="none" spc="0" smtClean="0">
+                <a:ln w="0"/>
+                <a:solidFill>
+                  <a:schemeClr val="accent1"/>
+                </a:solidFill>
+                <a:effectLst>
+                  <a:outerShdw blurRad="38100" dist="25400" dir="5400000" algn="ctr" rotWithShape="0">
+                    <a:srgbClr val="6E747A">
+                      <a:alpha val="43000"/>
+                    </a:srgbClr>
+                  </a:outerShdw>
+                </a:effectLst>
+              </a:rPr>
+              <a:t>Here</a:t>
+            </a:r>
+            <a:endParaRPr lang="en-US" sz="1400" b="0" cap="none" spc="0" dirty="0">
+              <a:ln w="0"/>
+              <a:solidFill>
+                <a:schemeClr val="accent1"/>
+              </a:solidFill>
+              <a:effectLst>
+                <a:outerShdw blurRad="38100" dist="25400" dir="5400000" algn="ctr" rotWithShape="0">
+                  <a:srgbClr val="6E747A">
+                    <a:alpha val="43000"/>
+                  </a:srgbClr>
+                </a:outerShdw>
+              </a:effectLst>
+            </a:endParaRPr>
+          </a:p>
+        </p:txBody>
+      </p:sp>
+      <p:sp>
+        <p:nvSpPr>
+          <p:cNvPr id="33" name="Rectangle 32"/>
+          <p:cNvSpPr/>
+          <p:nvPr/>
+        </p:nvSpPr>
+        <p:spPr>
+          <a:xfrm>
+            <a:off x="7948687" y="4685192"/>
+            <a:ext cx="536622" cy="307777"/>
+          </a:xfrm>
+          <a:prstGeom prst="rect">
+            <a:avLst/>
+          </a:prstGeom>
+          <a:noFill/>
+        </p:spPr>
+        <p:txBody>
+          <a:bodyPr wrap="none" lIns="91440" tIns="45720" rIns="91440" bIns="45720">
+            <a:spAutoFit/>
+          </a:bodyPr>
+          <a:lstStyle/>
+          <a:p>
+            <a:pPr algn="ctr"/>
+            <a:r>
+              <a:rPr lang="en-US" sz="1400" b="0" cap="none" spc="0" smtClean="0">
+                <a:ln w="0"/>
+                <a:solidFill>
+                  <a:schemeClr val="accent1"/>
+                </a:solidFill>
+                <a:effectLst>
+                  <a:outerShdw blurRad="38100" dist="25400" dir="5400000" algn="ctr" rotWithShape="0">
+                    <a:srgbClr val="6E747A">
+                      <a:alpha val="43000"/>
+                    </a:srgbClr>
+                  </a:outerShdw>
+                </a:effectLst>
+              </a:rPr>
+              <a:t>Here</a:t>
+            </a:r>
+            <a:endParaRPr lang="en-US" sz="1400" b="0" cap="none" spc="0" dirty="0">
+              <a:ln w="0"/>
+              <a:solidFill>
+                <a:schemeClr val="accent1"/>
+              </a:solidFill>
+              <a:effectLst>
+                <a:outerShdw blurRad="38100" dist="25400" dir="5400000" algn="ctr" rotWithShape="0">
+                  <a:srgbClr val="6E747A">
+                    <a:alpha val="43000"/>
+                  </a:srgbClr>
+                </a:outerShdw>
+              </a:effectLst>
+            </a:endParaRPr>
+          </a:p>
+        </p:txBody>
+      </p:sp>
+      <p:sp>
+        <p:nvSpPr>
+          <p:cNvPr id="34" name="Rectangle 33"/>
+          <p:cNvSpPr/>
+          <p:nvPr/>
+        </p:nvSpPr>
+        <p:spPr>
+          <a:xfrm>
+            <a:off x="7948687" y="4479965"/>
+            <a:ext cx="536622" cy="307777"/>
+          </a:xfrm>
+          <a:prstGeom prst="rect">
+            <a:avLst/>
+          </a:prstGeom>
+          <a:noFill/>
+        </p:spPr>
+        <p:txBody>
+          <a:bodyPr wrap="none" lIns="91440" tIns="45720" rIns="91440" bIns="45720">
+            <a:spAutoFit/>
+          </a:bodyPr>
+          <a:lstStyle/>
+          <a:p>
+            <a:pPr algn="ctr"/>
+            <a:r>
+              <a:rPr lang="en-US" sz="1400" b="0" cap="none" spc="0" smtClean="0">
+                <a:ln w="0"/>
+                <a:solidFill>
+                  <a:schemeClr val="accent1"/>
+                </a:solidFill>
+                <a:effectLst>
+                  <a:outerShdw blurRad="38100" dist="25400" dir="5400000" algn="ctr" rotWithShape="0">
+                    <a:srgbClr val="6E747A">
+                      <a:alpha val="43000"/>
+                    </a:srgbClr>
+                  </a:outerShdw>
+                </a:effectLst>
+              </a:rPr>
+              <a:t>Here</a:t>
+            </a:r>
+            <a:endParaRPr lang="en-US" sz="1400" b="0" cap="none" spc="0" dirty="0">
+              <a:ln w="0"/>
+              <a:solidFill>
+                <a:schemeClr val="accent1"/>
+              </a:solidFill>
+              <a:effectLst>
+                <a:outerShdw blurRad="38100" dist="25400" dir="5400000" algn="ctr" rotWithShape="0">
+                  <a:srgbClr val="6E747A">
+                    <a:alpha val="43000"/>
+                  </a:srgbClr>
+                </a:outerShdw>
+              </a:effectLst>
+            </a:endParaRPr>
+          </a:p>
+        </p:txBody>
+      </p:sp>
+      <p:sp>
+        <p:nvSpPr>
+          <p:cNvPr id="35" name="Rectangle 34"/>
+          <p:cNvSpPr/>
+          <p:nvPr/>
+        </p:nvSpPr>
+        <p:spPr>
+          <a:xfrm>
+            <a:off x="7923546" y="4261290"/>
+            <a:ext cx="458780" cy="307777"/>
+          </a:xfrm>
+          <a:prstGeom prst="rect">
+            <a:avLst/>
+          </a:prstGeom>
+          <a:noFill/>
+        </p:spPr>
+        <p:txBody>
+          <a:bodyPr wrap="none" lIns="91440" tIns="45720" rIns="91440" bIns="45720">
+            <a:spAutoFit/>
+          </a:bodyPr>
+          <a:lstStyle/>
+          <a:p>
+            <a:pPr algn="ctr"/>
+            <a:r>
+              <a:rPr lang="en-US" sz="1400" b="0" cap="none" spc="0" dirty="0" smtClean="0">
+                <a:ln w="0"/>
+                <a:solidFill>
+                  <a:schemeClr val="accent1"/>
+                </a:solidFill>
+                <a:effectLst>
+                  <a:outerShdw blurRad="38100" dist="25400" dir="5400000" algn="ctr" rotWithShape="0">
+                    <a:srgbClr val="6E747A">
+                      <a:alpha val="43000"/>
+                    </a:srgbClr>
+                  </a:outerShdw>
+                </a:effectLst>
+              </a:rPr>
+              <a:t>100</a:t>
+            </a:r>
+            <a:endParaRPr lang="en-US" sz="1400" b="0" cap="none" spc="0" dirty="0">
+              <a:ln w="0"/>
+              <a:solidFill>
+                <a:schemeClr val="accent1"/>
+              </a:solidFill>
+              <a:effectLst>
+                <a:outerShdw blurRad="38100" dist="25400" dir="5400000" algn="ctr" rotWithShape="0">
+                  <a:srgbClr val="6E747A">
+                    <a:alpha val="43000"/>
+                  </a:srgbClr>
+                </a:outerShdw>
+              </a:effectLst>
+            </a:endParaRPr>
+          </a:p>
+        </p:txBody>
+      </p:sp>
+      <p:sp>
+        <p:nvSpPr>
+          <p:cNvPr id="36" name="Rectangle 35"/>
+          <p:cNvSpPr/>
+          <p:nvPr/>
+        </p:nvSpPr>
+        <p:spPr>
+          <a:xfrm>
+            <a:off x="2704396" y="4736657"/>
+            <a:ext cx="536622" cy="307777"/>
+          </a:xfrm>
+          <a:prstGeom prst="rect">
+            <a:avLst/>
+          </a:prstGeom>
+          <a:noFill/>
+        </p:spPr>
+        <p:txBody>
+          <a:bodyPr wrap="none" lIns="91440" tIns="45720" rIns="91440" bIns="45720">
+            <a:spAutoFit/>
+          </a:bodyPr>
+          <a:lstStyle/>
+          <a:p>
+            <a:pPr algn="ctr"/>
+            <a:r>
+              <a:rPr lang="en-US" sz="1400" b="0" cap="none" spc="0" smtClean="0">
+                <a:ln w="0"/>
+                <a:solidFill>
+                  <a:schemeClr val="accent1"/>
+                </a:solidFill>
+                <a:effectLst>
+                  <a:outerShdw blurRad="38100" dist="25400" dir="5400000" algn="ctr" rotWithShape="0">
+                    <a:srgbClr val="6E747A">
+                      <a:alpha val="43000"/>
+                    </a:srgbClr>
+                  </a:outerShdw>
+                </a:effectLst>
+              </a:rPr>
+              <a:t>Here</a:t>
+            </a:r>
+            <a:endParaRPr lang="en-US" sz="1400" b="0" cap="none" spc="0" dirty="0">
+              <a:ln w="0"/>
+              <a:solidFill>
+                <a:schemeClr val="accent1"/>
+              </a:solidFill>
+              <a:effectLst>
+                <a:outerShdw blurRad="38100" dist="25400" dir="5400000" algn="ctr" rotWithShape="0">
+                  <a:srgbClr val="6E747A">
+                    <a:alpha val="43000"/>
+                  </a:srgbClr>
+                </a:outerShdw>
+              </a:effectLst>
+            </a:endParaRPr>
+          </a:p>
+        </p:txBody>
+      </p:sp>
+      <p:sp>
+        <p:nvSpPr>
+          <p:cNvPr id="37" name="Rectangle 36"/>
+          <p:cNvSpPr/>
+          <p:nvPr/>
+        </p:nvSpPr>
+        <p:spPr>
+          <a:xfrm>
+            <a:off x="2856796" y="4889057"/>
+            <a:ext cx="536622" cy="307777"/>
+          </a:xfrm>
+          <a:prstGeom prst="rect">
+            <a:avLst/>
+          </a:prstGeom>
+          <a:noFill/>
+        </p:spPr>
+        <p:txBody>
+          <a:bodyPr wrap="none" lIns="91440" tIns="45720" rIns="91440" bIns="45720">
+            <a:spAutoFit/>
+          </a:bodyPr>
+          <a:lstStyle/>
+          <a:p>
+            <a:pPr algn="ctr"/>
+            <a:r>
+              <a:rPr lang="en-US" sz="1400" b="0" cap="none" spc="0" smtClean="0">
+                <a:ln w="0"/>
+                <a:solidFill>
+                  <a:schemeClr val="accent1"/>
+                </a:solidFill>
+                <a:effectLst>
+                  <a:outerShdw blurRad="38100" dist="25400" dir="5400000" algn="ctr" rotWithShape="0">
+                    <a:srgbClr val="6E747A">
+                      <a:alpha val="43000"/>
+                    </a:srgbClr>
+                  </a:outerShdw>
+                </a:effectLst>
+              </a:rPr>
+              <a:t>Here</a:t>
+            </a:r>
+            <a:endParaRPr lang="en-US" sz="1400" b="0" cap="none" spc="0" dirty="0">
+              <a:ln w="0"/>
+              <a:solidFill>
+                <a:schemeClr val="accent1"/>
+              </a:solidFill>
+              <a:effectLst>
+                <a:outerShdw blurRad="38100" dist="25400" dir="5400000" algn="ctr" rotWithShape="0">
+                  <a:srgbClr val="6E747A">
+                    <a:alpha val="43000"/>
+                  </a:srgbClr>
+                </a:outerShdw>
+              </a:effectLst>
+            </a:endParaRPr>
+          </a:p>
+        </p:txBody>
+      </p:sp>
+      <p:sp>
+        <p:nvSpPr>
+          <p:cNvPr id="38" name="Rectangle 37"/>
+          <p:cNvSpPr/>
+          <p:nvPr/>
+        </p:nvSpPr>
+        <p:spPr>
+          <a:xfrm>
+            <a:off x="3009196" y="5041457"/>
+            <a:ext cx="536622" cy="307777"/>
+          </a:xfrm>
+          <a:prstGeom prst="rect">
+            <a:avLst/>
+          </a:prstGeom>
+          <a:noFill/>
+        </p:spPr>
+        <p:txBody>
+          <a:bodyPr wrap="none" lIns="91440" tIns="45720" rIns="91440" bIns="45720">
+            <a:spAutoFit/>
+          </a:bodyPr>
+          <a:lstStyle/>
+          <a:p>
+            <a:pPr algn="ctr"/>
+            <a:r>
+              <a:rPr lang="en-US" sz="1400" b="0" cap="none" spc="0" smtClean="0">
+                <a:ln w="0"/>
+                <a:solidFill>
+                  <a:schemeClr val="accent1"/>
+                </a:solidFill>
+                <a:effectLst>
+                  <a:outerShdw blurRad="38100" dist="25400" dir="5400000" algn="ctr" rotWithShape="0">
+                    <a:srgbClr val="6E747A">
+                      <a:alpha val="43000"/>
+                    </a:srgbClr>
+                  </a:outerShdw>
+                </a:effectLst>
+              </a:rPr>
+              <a:t>Here</a:t>
+            </a:r>
+            <a:endParaRPr lang="en-US" sz="1400" b="0" cap="none" spc="0" dirty="0">
+              <a:ln w="0"/>
+              <a:solidFill>
+                <a:schemeClr val="accent1"/>
+              </a:solidFill>
+              <a:effectLst>
+                <a:outerShdw blurRad="38100" dist="25400" dir="5400000" algn="ctr" rotWithShape="0">
+                  <a:srgbClr val="6E747A">
+                    <a:alpha val="43000"/>
+                  </a:srgbClr>
+                </a:outerShdw>
+              </a:effectLst>
+            </a:endParaRPr>
+          </a:p>
+        </p:txBody>
+      </p:sp>
+      <p:sp>
+        <p:nvSpPr>
+          <p:cNvPr id="39" name="Rectangle 38"/>
+          <p:cNvSpPr/>
+          <p:nvPr/>
+        </p:nvSpPr>
+        <p:spPr>
+          <a:xfrm>
+            <a:off x="3161596" y="5193857"/>
+            <a:ext cx="536622" cy="307777"/>
+          </a:xfrm>
+          <a:prstGeom prst="rect">
+            <a:avLst/>
+          </a:prstGeom>
+          <a:noFill/>
+        </p:spPr>
+        <p:txBody>
+          <a:bodyPr wrap="none" lIns="91440" tIns="45720" rIns="91440" bIns="45720">
+            <a:spAutoFit/>
+          </a:bodyPr>
+          <a:lstStyle/>
+          <a:p>
+            <a:pPr algn="ctr"/>
+            <a:r>
+              <a:rPr lang="en-US" sz="1400" b="0" cap="none" spc="0" smtClean="0">
+                <a:ln w="0"/>
+                <a:solidFill>
+                  <a:schemeClr val="accent1"/>
+                </a:solidFill>
+                <a:effectLst>
+                  <a:outerShdw blurRad="38100" dist="25400" dir="5400000" algn="ctr" rotWithShape="0">
+                    <a:srgbClr val="6E747A">
+                      <a:alpha val="43000"/>
+                    </a:srgbClr>
+                  </a:outerShdw>
+                </a:effectLst>
+              </a:rPr>
+              <a:t>Here</a:t>
+            </a:r>
+            <a:endParaRPr lang="en-US" sz="1400" b="0" cap="none" spc="0" dirty="0">
+              <a:ln w="0"/>
+              <a:solidFill>
+                <a:schemeClr val="accent1"/>
+              </a:solidFill>
+              <a:effectLst>
+                <a:outerShdw blurRad="38100" dist="25400" dir="5400000" algn="ctr" rotWithShape="0">
+                  <a:srgbClr val="6E747A">
+                    <a:alpha val="43000"/>
+                  </a:srgbClr>
+                </a:outerShdw>
+              </a:effectLst>
+            </a:endParaRPr>
+          </a:p>
+        </p:txBody>
+      </p:sp>
+      <p:sp>
+        <p:nvSpPr>
+          <p:cNvPr id="40" name="Rectangle 39"/>
+          <p:cNvSpPr/>
+          <p:nvPr/>
+        </p:nvSpPr>
+        <p:spPr>
+          <a:xfrm>
+            <a:off x="3313996" y="5346257"/>
+            <a:ext cx="536622" cy="307777"/>
+          </a:xfrm>
+          <a:prstGeom prst="rect">
+            <a:avLst/>
+          </a:prstGeom>
+          <a:noFill/>
+        </p:spPr>
+        <p:txBody>
+          <a:bodyPr wrap="none" lIns="91440" tIns="45720" rIns="91440" bIns="45720">
+            <a:spAutoFit/>
+          </a:bodyPr>
+          <a:lstStyle/>
+          <a:p>
+            <a:pPr algn="ctr"/>
+            <a:r>
+              <a:rPr lang="en-US" sz="1400" b="0" cap="none" spc="0" smtClean="0">
+                <a:ln w="0"/>
+                <a:solidFill>
+                  <a:schemeClr val="accent1"/>
+                </a:solidFill>
+                <a:effectLst>
+                  <a:outerShdw blurRad="38100" dist="25400" dir="5400000" algn="ctr" rotWithShape="0">
+                    <a:srgbClr val="6E747A">
+                      <a:alpha val="43000"/>
+                    </a:srgbClr>
+                  </a:outerShdw>
+                </a:effectLst>
+              </a:rPr>
+              <a:t>Here</a:t>
+            </a:r>
+            <a:endParaRPr lang="en-US" sz="1400" b="0" cap="none" spc="0" dirty="0">
+              <a:ln w="0"/>
+              <a:solidFill>
+                <a:schemeClr val="accent1"/>
+              </a:solidFill>
+              <a:effectLst>
+                <a:outerShdw blurRad="38100" dist="25400" dir="5400000" algn="ctr" rotWithShape="0">
+                  <a:srgbClr val="6E747A">
+                    <a:alpha val="43000"/>
+                  </a:srgbClr>
+                </a:outerShdw>
+              </a:effectLst>
+            </a:endParaRPr>
+          </a:p>
+        </p:txBody>
+      </p:sp>
+      <p:sp>
+        <p:nvSpPr>
+          <p:cNvPr id="41" name="Rectangle 40"/>
+          <p:cNvSpPr/>
+          <p:nvPr/>
+        </p:nvSpPr>
+        <p:spPr>
+          <a:xfrm>
+            <a:off x="3466396" y="5498657"/>
+            <a:ext cx="536622" cy="307777"/>
+          </a:xfrm>
+          <a:prstGeom prst="rect">
+            <a:avLst/>
+          </a:prstGeom>
+          <a:noFill/>
+        </p:spPr>
+        <p:txBody>
+          <a:bodyPr wrap="none" lIns="91440" tIns="45720" rIns="91440" bIns="45720">
+            <a:spAutoFit/>
+          </a:bodyPr>
+          <a:lstStyle/>
+          <a:p>
+            <a:pPr algn="ctr"/>
+            <a:r>
+              <a:rPr lang="en-US" sz="1400" b="0" cap="none" spc="0" smtClean="0">
+                <a:ln w="0"/>
+                <a:solidFill>
+                  <a:schemeClr val="accent1"/>
+                </a:solidFill>
+                <a:effectLst>
+                  <a:outerShdw blurRad="38100" dist="25400" dir="5400000" algn="ctr" rotWithShape="0">
+                    <a:srgbClr val="6E747A">
+                      <a:alpha val="43000"/>
+                    </a:srgbClr>
+                  </a:outerShdw>
+                </a:effectLst>
+              </a:rPr>
+              <a:t>Here</a:t>
+            </a:r>
+            <a:endParaRPr lang="en-US" sz="1400" b="0" cap="none" spc="0" dirty="0">
+              <a:ln w="0"/>
+              <a:solidFill>
+                <a:schemeClr val="accent1"/>
+              </a:solidFill>
+              <a:effectLst>
+                <a:outerShdw blurRad="38100" dist="25400" dir="5400000" algn="ctr" rotWithShape="0">
+                  <a:srgbClr val="6E747A">
+                    <a:alpha val="43000"/>
+                  </a:srgbClr>
+                </a:outerShdw>
+              </a:effectLst>
+            </a:endParaRPr>
+          </a:p>
+        </p:txBody>
+      </p:sp>
+      <p:sp>
+        <p:nvSpPr>
+          <p:cNvPr id="42" name="Rectangle 41"/>
+          <p:cNvSpPr/>
+          <p:nvPr/>
+        </p:nvSpPr>
+        <p:spPr>
+          <a:xfrm>
+            <a:off x="3618796" y="5651057"/>
+            <a:ext cx="536622" cy="307777"/>
+          </a:xfrm>
+          <a:prstGeom prst="rect">
+            <a:avLst/>
+          </a:prstGeom>
+          <a:noFill/>
+        </p:spPr>
+        <p:txBody>
+          <a:bodyPr wrap="none" lIns="91440" tIns="45720" rIns="91440" bIns="45720">
+            <a:spAutoFit/>
+          </a:bodyPr>
+          <a:lstStyle/>
+          <a:p>
+            <a:pPr algn="ctr"/>
+            <a:r>
+              <a:rPr lang="en-US" sz="1400" b="0" cap="none" spc="0" smtClean="0">
+                <a:ln w="0"/>
+                <a:solidFill>
+                  <a:schemeClr val="accent1"/>
+                </a:solidFill>
+                <a:effectLst>
+                  <a:outerShdw blurRad="38100" dist="25400" dir="5400000" algn="ctr" rotWithShape="0">
+                    <a:srgbClr val="6E747A">
+                      <a:alpha val="43000"/>
+                    </a:srgbClr>
+                  </a:outerShdw>
+                </a:effectLst>
+              </a:rPr>
+              <a:t>Here</a:t>
+            </a:r>
+            <a:endParaRPr lang="en-US" sz="1400" b="0" cap="none" spc="0" dirty="0">
+              <a:ln w="0"/>
+              <a:solidFill>
+                <a:schemeClr val="accent1"/>
+              </a:solidFill>
+              <a:effectLst>
+                <a:outerShdw blurRad="38100" dist="25400" dir="5400000" algn="ctr" rotWithShape="0">
+                  <a:srgbClr val="6E747A">
+                    <a:alpha val="43000"/>
+                  </a:srgbClr>
+                </a:outerShdw>
+              </a:effectLst>
+            </a:endParaRPr>
+          </a:p>
+        </p:txBody>
+      </p:sp>
+      <p:sp>
+        <p:nvSpPr>
+          <p:cNvPr id="43" name="Rectangle 42"/>
+          <p:cNvSpPr/>
+          <p:nvPr/>
+        </p:nvSpPr>
+        <p:spPr>
+          <a:xfrm>
+            <a:off x="3771196" y="5803457"/>
+            <a:ext cx="536622" cy="307777"/>
+          </a:xfrm>
+          <a:prstGeom prst="rect">
+            <a:avLst/>
+          </a:prstGeom>
+          <a:noFill/>
+        </p:spPr>
+        <p:txBody>
+          <a:bodyPr wrap="none" lIns="91440" tIns="45720" rIns="91440" bIns="45720">
+            <a:spAutoFit/>
+          </a:bodyPr>
+          <a:lstStyle/>
+          <a:p>
+            <a:pPr algn="ctr"/>
+            <a:r>
+              <a:rPr lang="en-US" sz="1400" b="0" cap="none" spc="0" smtClean="0">
+                <a:ln w="0"/>
+                <a:solidFill>
+                  <a:schemeClr val="accent1"/>
+                </a:solidFill>
+                <a:effectLst>
+                  <a:outerShdw blurRad="38100" dist="25400" dir="5400000" algn="ctr" rotWithShape="0">
+                    <a:srgbClr val="6E747A">
+                      <a:alpha val="43000"/>
+                    </a:srgbClr>
+                  </a:outerShdw>
+                </a:effectLst>
+              </a:rPr>
+              <a:t>Here</a:t>
             </a:r>
             <a:endParaRPr lang="en-US" sz="1400" b="0" cap="none" spc="0" dirty="0">
               <a:ln w="0"/>

--- a/images/gel.pptx
+++ b/images/gel.pptx
@@ -2986,7 +2986,7 @@
         </p:blipFill>
         <p:spPr>
           <a:xfrm>
-            <a:off x="0" y="-286374"/>
+            <a:off x="0" y="-271885"/>
             <a:ext cx="12192000" cy="9113134"/>
           </a:xfrm>
           <a:prstGeom prst="rect">
@@ -3002,8 +3002,8 @@
         </p:nvSpPr>
         <p:spPr>
           <a:xfrm rot="16200000">
-            <a:off x="2431580" y="6506715"/>
-            <a:ext cx="1146786" cy="369332"/>
+            <a:off x="2063005" y="6433957"/>
+            <a:ext cx="1641627" cy="646331"/>
           </a:xfrm>
           <a:prstGeom prst="rect">
             <a:avLst/>
@@ -3031,7 +3031,7 @@
                   </a:outerShdw>
                 </a:effectLst>
               </a:rPr>
-              <a:t>1. Ladder</a:t>
+              <a:t>1. 100bp Ladder</a:t>
             </a:r>
             <a:r>
               <a:rPr lang="en-US" sz="1400" b="0" cap="none" spc="0" dirty="0" smtClean="0">
@@ -3996,8 +3996,8 @@
         </p:nvSpPr>
         <p:spPr>
           <a:xfrm rot="16200000">
-            <a:off x="7261620" y="6708145"/>
-            <a:ext cx="1244707" cy="369332"/>
+            <a:off x="7248195" y="6586699"/>
+            <a:ext cx="1542283" cy="646331"/>
           </a:xfrm>
           <a:prstGeom prst="rect">
             <a:avLst/>
@@ -4025,7 +4025,7 @@
                   </a:outerShdw>
                 </a:effectLst>
               </a:rPr>
-              <a:t>15. Ladder</a:t>
+              <a:t>15. 100bp Ladder</a:t>
             </a:r>
             <a:r>
               <a:rPr lang="en-US" sz="1400" b="0" cap="none" spc="0" dirty="0" smtClean="0">
@@ -4087,14 +4087,14 @@
       </p:sp>
       <p:sp>
         <p:nvSpPr>
-          <p:cNvPr id="30" name="Rectangle 29"/>
+          <p:cNvPr id="33" name="Rectangle 32"/>
           <p:cNvSpPr/>
           <p:nvPr/>
         </p:nvSpPr>
         <p:spPr>
           <a:xfrm>
-            <a:off x="2340428" y="4270193"/>
-            <a:ext cx="536622" cy="307777"/>
+            <a:off x="7962467" y="4778405"/>
+            <a:ext cx="458780" cy="307777"/>
           </a:xfrm>
           <a:prstGeom prst="rect">
             <a:avLst/>
@@ -4109,7 +4109,7 @@
           <a:p>
             <a:pPr algn="ctr"/>
             <a:r>
-              <a:rPr lang="en-US" sz="1400" b="0" cap="none" spc="0" smtClean="0">
+              <a:rPr lang="en-US" sz="1400" b="0" cap="none" spc="0" dirty="0" smtClean="0">
                 <a:ln w="0"/>
                 <a:solidFill>
                   <a:schemeClr val="accent1"/>
@@ -4122,7 +4122,7 @@
                   </a:outerShdw>
                 </a:effectLst>
               </a:rPr>
-              <a:t>Here</a:t>
+              <a:t>600</a:t>
             </a:r>
             <a:endParaRPr lang="en-US" sz="1400" b="0" cap="none" spc="0" dirty="0">
               <a:ln w="0"/>
@@ -4142,14 +4142,14 @@
       </p:sp>
       <p:sp>
         <p:nvSpPr>
-          <p:cNvPr id="31" name="Rectangle 30"/>
+          <p:cNvPr id="34" name="Rectangle 33"/>
           <p:cNvSpPr/>
           <p:nvPr/>
         </p:nvSpPr>
         <p:spPr>
           <a:xfrm>
-            <a:off x="2492828" y="4422593"/>
-            <a:ext cx="536622" cy="307777"/>
+            <a:off x="7962467" y="4613614"/>
+            <a:ext cx="458780" cy="307777"/>
           </a:xfrm>
           <a:prstGeom prst="rect">
             <a:avLst/>
@@ -4164,7 +4164,7 @@
           <a:p>
             <a:pPr algn="ctr"/>
             <a:r>
-              <a:rPr lang="en-US" sz="1400" b="0" cap="none" spc="0" smtClean="0">
+              <a:rPr lang="en-US" sz="1400" b="0" cap="none" spc="0" dirty="0" smtClean="0">
                 <a:ln w="0"/>
                 <a:solidFill>
                   <a:schemeClr val="accent1"/>
@@ -4177,7 +4177,7 @@
                   </a:outerShdw>
                 </a:effectLst>
               </a:rPr>
-              <a:t>Here</a:t>
+              <a:t>700</a:t>
             </a:r>
             <a:endParaRPr lang="en-US" sz="1400" b="0" cap="none" spc="0" dirty="0">
               <a:ln w="0"/>
@@ -4197,14 +4197,14 @@
       </p:sp>
       <p:sp>
         <p:nvSpPr>
-          <p:cNvPr id="32" name="Rectangle 31"/>
+          <p:cNvPr id="35" name="Rectangle 34"/>
           <p:cNvSpPr/>
           <p:nvPr/>
         </p:nvSpPr>
         <p:spPr>
           <a:xfrm>
-            <a:off x="2551996" y="4584257"/>
-            <a:ext cx="536622" cy="307777"/>
+            <a:off x="7859899" y="4206538"/>
+            <a:ext cx="550152" cy="307777"/>
           </a:xfrm>
           <a:prstGeom prst="rect">
             <a:avLst/>
@@ -4219,7 +4219,7 @@
           <a:p>
             <a:pPr algn="ctr"/>
             <a:r>
-              <a:rPr lang="en-US" sz="1400" b="0" cap="none" spc="0" smtClean="0">
+              <a:rPr lang="en-US" sz="1400" b="0" cap="none" spc="0" dirty="0" smtClean="0">
                 <a:ln w="0"/>
                 <a:solidFill>
                   <a:schemeClr val="accent1"/>
@@ -4232,7 +4232,7 @@
                   </a:outerShdw>
                 </a:effectLst>
               </a:rPr>
-              <a:t>Here</a:t>
+              <a:t>1000</a:t>
             </a:r>
             <a:endParaRPr lang="en-US" sz="1400" b="0" cap="none" spc="0" dirty="0">
               <a:ln w="0"/>
@@ -4252,14 +4252,14 @@
       </p:sp>
       <p:sp>
         <p:nvSpPr>
-          <p:cNvPr id="33" name="Rectangle 32"/>
+          <p:cNvPr id="37" name="Rectangle 36"/>
           <p:cNvSpPr/>
           <p:nvPr/>
         </p:nvSpPr>
         <p:spPr>
           <a:xfrm>
-            <a:off x="7948687" y="4685192"/>
-            <a:ext cx="536622" cy="307777"/>
+            <a:off x="7950055" y="4349728"/>
+            <a:ext cx="458780" cy="307777"/>
           </a:xfrm>
           <a:prstGeom prst="rect">
             <a:avLst/>
@@ -4274,7 +4274,7 @@
           <a:p>
             <a:pPr algn="ctr"/>
             <a:r>
-              <a:rPr lang="en-US" sz="1400" b="0" cap="none" spc="0" smtClean="0">
+              <a:rPr lang="en-US" sz="1400" b="0" cap="none" spc="0" dirty="0" smtClean="0">
                 <a:ln w="0"/>
                 <a:solidFill>
                   <a:schemeClr val="accent1"/>
@@ -4287,7 +4287,7 @@
                   </a:outerShdw>
                 </a:effectLst>
               </a:rPr>
-              <a:t>Here</a:t>
+              <a:t>900</a:t>
             </a:r>
             <a:endParaRPr lang="en-US" sz="1400" b="0" cap="none" spc="0" dirty="0">
               <a:ln w="0"/>
@@ -4307,14 +4307,14 @@
       </p:sp>
       <p:sp>
         <p:nvSpPr>
-          <p:cNvPr id="34" name="Rectangle 33"/>
+          <p:cNvPr id="38" name="Rectangle 37"/>
           <p:cNvSpPr/>
           <p:nvPr/>
         </p:nvSpPr>
         <p:spPr>
           <a:xfrm>
-            <a:off x="7948687" y="4479965"/>
-            <a:ext cx="536622" cy="307777"/>
+            <a:off x="7956261" y="4477177"/>
+            <a:ext cx="458780" cy="307777"/>
           </a:xfrm>
           <a:prstGeom prst="rect">
             <a:avLst/>
@@ -4329,7 +4329,7 @@
           <a:p>
             <a:pPr algn="ctr"/>
             <a:r>
-              <a:rPr lang="en-US" sz="1400" b="0" cap="none" spc="0" smtClean="0">
+              <a:rPr lang="en-US" sz="1400" b="0" cap="none" spc="0" dirty="0" smtClean="0">
                 <a:ln w="0"/>
                 <a:solidFill>
                   <a:schemeClr val="accent1"/>
@@ -4342,7 +4342,7 @@
                   </a:outerShdw>
                 </a:effectLst>
               </a:rPr>
-              <a:t>Here</a:t>
+              <a:t>800</a:t>
             </a:r>
             <a:endParaRPr lang="en-US" sz="1400" b="0" cap="none" spc="0" dirty="0">
               <a:ln w="0"/>
@@ -4362,13 +4362,13 @@
       </p:sp>
       <p:sp>
         <p:nvSpPr>
-          <p:cNvPr id="35" name="Rectangle 34"/>
+          <p:cNvPr id="39" name="Rectangle 38"/>
           <p:cNvSpPr/>
           <p:nvPr/>
         </p:nvSpPr>
         <p:spPr>
           <a:xfrm>
-            <a:off x="7923546" y="4261290"/>
+            <a:off x="7958442" y="4950053"/>
             <a:ext cx="458780" cy="307777"/>
           </a:xfrm>
           <a:prstGeom prst="rect">
@@ -4384,7 +4384,7 @@
           <a:p>
             <a:pPr algn="ctr"/>
             <a:r>
-              <a:rPr lang="en-US" sz="1400" b="0" cap="none" spc="0" dirty="0" smtClean="0">
+              <a:rPr lang="en-US" sz="1400" b="0" cap="none" spc="0" smtClean="0">
                 <a:ln w="0"/>
                 <a:solidFill>
                   <a:schemeClr val="accent1"/>
@@ -4397,7 +4397,7 @@
                   </a:outerShdw>
                 </a:effectLst>
               </a:rPr>
-              <a:t>100</a:t>
+              <a:t>500</a:t>
             </a:r>
             <a:endParaRPr lang="en-US" sz="1400" b="0" cap="none" spc="0" dirty="0">
               <a:ln w="0"/>
@@ -4417,14 +4417,14 @@
       </p:sp>
       <p:sp>
         <p:nvSpPr>
-          <p:cNvPr id="36" name="Rectangle 35"/>
+          <p:cNvPr id="40" name="Rectangle 39"/>
           <p:cNvSpPr/>
           <p:nvPr/>
         </p:nvSpPr>
         <p:spPr>
           <a:xfrm>
-            <a:off x="2704396" y="4736657"/>
-            <a:ext cx="536622" cy="307777"/>
+            <a:off x="7953567" y="5144362"/>
+            <a:ext cx="458780" cy="307777"/>
           </a:xfrm>
           <a:prstGeom prst="rect">
             <a:avLst/>
@@ -4439,7 +4439,7 @@
           <a:p>
             <a:pPr algn="ctr"/>
             <a:r>
-              <a:rPr lang="en-US" sz="1400" b="0" cap="none" spc="0" smtClean="0">
+              <a:rPr lang="en-US" sz="1400" b="0" cap="none" spc="0" dirty="0" smtClean="0">
                 <a:ln w="0"/>
                 <a:solidFill>
                   <a:schemeClr val="accent1"/>
@@ -4452,7 +4452,7 @@
                   </a:outerShdw>
                 </a:effectLst>
               </a:rPr>
-              <a:t>Here</a:t>
+              <a:t>400</a:t>
             </a:r>
             <a:endParaRPr lang="en-US" sz="1400" b="0" cap="none" spc="0" dirty="0">
               <a:ln w="0"/>
@@ -4472,14 +4472,14 @@
       </p:sp>
       <p:sp>
         <p:nvSpPr>
-          <p:cNvPr id="37" name="Rectangle 36"/>
+          <p:cNvPr id="41" name="Rectangle 40"/>
           <p:cNvSpPr/>
           <p:nvPr/>
         </p:nvSpPr>
         <p:spPr>
           <a:xfrm>
-            <a:off x="2856796" y="4889057"/>
-            <a:ext cx="536622" cy="307777"/>
+            <a:off x="7958442" y="5365036"/>
+            <a:ext cx="458780" cy="307777"/>
           </a:xfrm>
           <a:prstGeom prst="rect">
             <a:avLst/>
@@ -4494,7 +4494,7 @@
           <a:p>
             <a:pPr algn="ctr"/>
             <a:r>
-              <a:rPr lang="en-US" sz="1400" b="0" cap="none" spc="0" smtClean="0">
+              <a:rPr lang="en-US" sz="1400" b="0" cap="none" spc="0" dirty="0" smtClean="0">
                 <a:ln w="0"/>
                 <a:solidFill>
                   <a:schemeClr val="accent1"/>
@@ -4507,7 +4507,7 @@
                   </a:outerShdw>
                 </a:effectLst>
               </a:rPr>
-              <a:t>Here</a:t>
+              <a:t>300</a:t>
             </a:r>
             <a:endParaRPr lang="en-US" sz="1400" b="0" cap="none" spc="0" dirty="0">
               <a:ln w="0"/>
@@ -4527,14 +4527,14 @@
       </p:sp>
       <p:sp>
         <p:nvSpPr>
-          <p:cNvPr id="38" name="Rectangle 37"/>
+          <p:cNvPr id="42" name="Rectangle 41"/>
           <p:cNvSpPr/>
           <p:nvPr/>
         </p:nvSpPr>
         <p:spPr>
           <a:xfrm>
-            <a:off x="3009196" y="5041457"/>
-            <a:ext cx="536622" cy="307777"/>
+            <a:off x="7969955" y="5622931"/>
+            <a:ext cx="458780" cy="307777"/>
           </a:xfrm>
           <a:prstGeom prst="rect">
             <a:avLst/>
@@ -4549,7 +4549,7 @@
           <a:p>
             <a:pPr algn="ctr"/>
             <a:r>
-              <a:rPr lang="en-US" sz="1400" b="0" cap="none" spc="0" smtClean="0">
+              <a:rPr lang="en-US" sz="1400" b="0" cap="none" spc="0" dirty="0" smtClean="0">
                 <a:ln w="0"/>
                 <a:solidFill>
                   <a:schemeClr val="accent1"/>
@@ -4562,7 +4562,7 @@
                   </a:outerShdw>
                 </a:effectLst>
               </a:rPr>
-              <a:t>Here</a:t>
+              <a:t>200</a:t>
             </a:r>
             <a:endParaRPr lang="en-US" sz="1400" b="0" cap="none" spc="0" dirty="0">
               <a:ln w="0"/>
@@ -4582,14 +4582,14 @@
       </p:sp>
       <p:sp>
         <p:nvSpPr>
-          <p:cNvPr id="39" name="Rectangle 38"/>
+          <p:cNvPr id="43" name="Rectangle 42"/>
           <p:cNvSpPr/>
           <p:nvPr/>
         </p:nvSpPr>
         <p:spPr>
           <a:xfrm>
-            <a:off x="3161596" y="5193857"/>
-            <a:ext cx="536622" cy="307777"/>
+            <a:off x="7992978" y="5933495"/>
+            <a:ext cx="458780" cy="307777"/>
           </a:xfrm>
           <a:prstGeom prst="rect">
             <a:avLst/>
@@ -4604,7 +4604,7 @@
           <a:p>
             <a:pPr algn="ctr"/>
             <a:r>
-              <a:rPr lang="en-US" sz="1400" b="0" cap="none" spc="0" smtClean="0">
+              <a:rPr lang="en-US" sz="1400" b="0" cap="none" spc="0" dirty="0" smtClean="0">
                 <a:ln w="0"/>
                 <a:solidFill>
                   <a:schemeClr val="accent1"/>
@@ -4617,7 +4617,7 @@
                   </a:outerShdw>
                 </a:effectLst>
               </a:rPr>
-              <a:t>Here</a:t>
+              <a:t>100</a:t>
             </a:r>
             <a:endParaRPr lang="en-US" sz="1400" b="0" cap="none" spc="0" dirty="0">
               <a:ln w="0"/>
@@ -4637,14 +4637,14 @@
       </p:sp>
       <p:sp>
         <p:nvSpPr>
-          <p:cNvPr id="40" name="Rectangle 39"/>
+          <p:cNvPr id="44" name="Rectangle 43"/>
           <p:cNvSpPr/>
           <p:nvPr/>
         </p:nvSpPr>
         <p:spPr>
           <a:xfrm>
-            <a:off x="3313996" y="5346257"/>
-            <a:ext cx="536622" cy="307777"/>
+            <a:off x="2493658" y="4284682"/>
+            <a:ext cx="550152" cy="307777"/>
           </a:xfrm>
           <a:prstGeom prst="rect">
             <a:avLst/>
@@ -4659,7 +4659,7 @@
           <a:p>
             <a:pPr algn="ctr"/>
             <a:r>
-              <a:rPr lang="en-US" sz="1400" b="0" cap="none" spc="0" smtClean="0">
+              <a:rPr lang="en-US" sz="1400" b="0" cap="none" spc="0" dirty="0" smtClean="0">
                 <a:ln w="0"/>
                 <a:solidFill>
                   <a:schemeClr val="accent1"/>
@@ -4672,7 +4672,7 @@
                   </a:outerShdw>
                 </a:effectLst>
               </a:rPr>
-              <a:t>Here</a:t>
+              <a:t>1000</a:t>
             </a:r>
             <a:endParaRPr lang="en-US" sz="1400" b="0" cap="none" spc="0" dirty="0">
               <a:ln w="0"/>
@@ -4692,14 +4692,14 @@
       </p:sp>
       <p:sp>
         <p:nvSpPr>
-          <p:cNvPr id="41" name="Rectangle 40"/>
+          <p:cNvPr id="45" name="Rectangle 44"/>
           <p:cNvSpPr/>
           <p:nvPr/>
         </p:nvSpPr>
         <p:spPr>
           <a:xfrm>
-            <a:off x="3466396" y="5498657"/>
-            <a:ext cx="536622" cy="307777"/>
+            <a:off x="2590917" y="4406738"/>
+            <a:ext cx="458780" cy="307777"/>
           </a:xfrm>
           <a:prstGeom prst="rect">
             <a:avLst/>
@@ -4714,7 +4714,7 @@
           <a:p>
             <a:pPr algn="ctr"/>
             <a:r>
-              <a:rPr lang="en-US" sz="1400" b="0" cap="none" spc="0" smtClean="0">
+              <a:rPr lang="en-US" sz="1400" b="0" cap="none" spc="0" dirty="0" smtClean="0">
                 <a:ln w="0"/>
                 <a:solidFill>
                   <a:schemeClr val="accent1"/>
@@ -4727,7 +4727,7 @@
                   </a:outerShdw>
                 </a:effectLst>
               </a:rPr>
-              <a:t>Here</a:t>
+              <a:t>900</a:t>
             </a:r>
             <a:endParaRPr lang="en-US" sz="1400" b="0" cap="none" spc="0" dirty="0">
               <a:ln w="0"/>
@@ -4747,14 +4747,14 @@
       </p:sp>
       <p:sp>
         <p:nvSpPr>
-          <p:cNvPr id="42" name="Rectangle 41"/>
+          <p:cNvPr id="46" name="Rectangle 45"/>
           <p:cNvSpPr/>
           <p:nvPr/>
         </p:nvSpPr>
         <p:spPr>
           <a:xfrm>
-            <a:off x="3618796" y="5651057"/>
-            <a:ext cx="536622" cy="307777"/>
+            <a:off x="2316449" y="4553853"/>
+            <a:ext cx="458780" cy="307777"/>
           </a:xfrm>
           <a:prstGeom prst="rect">
             <a:avLst/>
@@ -4769,7 +4769,7 @@
           <a:p>
             <a:pPr algn="ctr"/>
             <a:r>
-              <a:rPr lang="en-US" sz="1400" b="0" cap="none" spc="0" smtClean="0">
+              <a:rPr lang="en-US" sz="1400" b="0" cap="none" spc="0" dirty="0" smtClean="0">
                 <a:ln w="0"/>
                 <a:solidFill>
                   <a:schemeClr val="accent1"/>
@@ -4782,7 +4782,7 @@
                   </a:outerShdw>
                 </a:effectLst>
               </a:rPr>
-              <a:t>Here</a:t>
+              <a:t>800</a:t>
             </a:r>
             <a:endParaRPr lang="en-US" sz="1400" b="0" cap="none" spc="0" dirty="0">
               <a:ln w="0"/>
@@ -4802,14 +4802,14 @@
       </p:sp>
       <p:sp>
         <p:nvSpPr>
-          <p:cNvPr id="43" name="Rectangle 42"/>
+          <p:cNvPr id="47" name="Rectangle 46"/>
           <p:cNvSpPr/>
           <p:nvPr/>
         </p:nvSpPr>
         <p:spPr>
           <a:xfrm>
-            <a:off x="3771196" y="5803457"/>
-            <a:ext cx="536622" cy="307777"/>
+            <a:off x="2590917" y="4631065"/>
+            <a:ext cx="458780" cy="307777"/>
           </a:xfrm>
           <a:prstGeom prst="rect">
             <a:avLst/>
@@ -4824,7 +4824,7 @@
           <a:p>
             <a:pPr algn="ctr"/>
             <a:r>
-              <a:rPr lang="en-US" sz="1400" b="0" cap="none" spc="0" smtClean="0">
+              <a:rPr lang="en-US" sz="1400" b="0" cap="none" spc="0" dirty="0" smtClean="0">
                 <a:ln w="0"/>
                 <a:solidFill>
                   <a:schemeClr val="accent1"/>
@@ -4837,7 +4837,337 @@
                   </a:outerShdw>
                 </a:effectLst>
               </a:rPr>
-              <a:t>Here</a:t>
+              <a:t>700</a:t>
+            </a:r>
+            <a:endParaRPr lang="en-US" sz="1400" b="0" cap="none" spc="0" dirty="0">
+              <a:ln w="0"/>
+              <a:solidFill>
+                <a:schemeClr val="accent1"/>
+              </a:solidFill>
+              <a:effectLst>
+                <a:outerShdw blurRad="38100" dist="25400" dir="5400000" algn="ctr" rotWithShape="0">
+                  <a:srgbClr val="6E747A">
+                    <a:alpha val="43000"/>
+                  </a:srgbClr>
+                </a:outerShdw>
+              </a:effectLst>
+            </a:endParaRPr>
+          </a:p>
+        </p:txBody>
+      </p:sp>
+      <p:sp>
+        <p:nvSpPr>
+          <p:cNvPr id="48" name="Rectangle 47"/>
+          <p:cNvSpPr/>
+          <p:nvPr/>
+        </p:nvSpPr>
+        <p:spPr>
+          <a:xfrm>
+            <a:off x="2594942" y="4772075"/>
+            <a:ext cx="458780" cy="307777"/>
+          </a:xfrm>
+          <a:prstGeom prst="rect">
+            <a:avLst/>
+          </a:prstGeom>
+          <a:noFill/>
+        </p:spPr>
+        <p:txBody>
+          <a:bodyPr wrap="none" lIns="91440" tIns="45720" rIns="91440" bIns="45720">
+            <a:spAutoFit/>
+          </a:bodyPr>
+          <a:lstStyle/>
+          <a:p>
+            <a:pPr algn="ctr"/>
+            <a:r>
+              <a:rPr lang="en-US" sz="1400" b="0" cap="none" spc="0" dirty="0" smtClean="0">
+                <a:ln w="0"/>
+                <a:solidFill>
+                  <a:schemeClr val="accent1"/>
+                </a:solidFill>
+                <a:effectLst>
+                  <a:outerShdw blurRad="38100" dist="25400" dir="5400000" algn="ctr" rotWithShape="0">
+                    <a:srgbClr val="6E747A">
+                      <a:alpha val="43000"/>
+                    </a:srgbClr>
+                  </a:outerShdw>
+                </a:effectLst>
+              </a:rPr>
+              <a:t>600</a:t>
+            </a:r>
+            <a:endParaRPr lang="en-US" sz="1400" b="0" cap="none" spc="0" dirty="0">
+              <a:ln w="0"/>
+              <a:solidFill>
+                <a:schemeClr val="accent1"/>
+              </a:solidFill>
+              <a:effectLst>
+                <a:outerShdw blurRad="38100" dist="25400" dir="5400000" algn="ctr" rotWithShape="0">
+                  <a:srgbClr val="6E747A">
+                    <a:alpha val="43000"/>
+                  </a:srgbClr>
+                </a:outerShdw>
+              </a:effectLst>
+            </a:endParaRPr>
+          </a:p>
+        </p:txBody>
+      </p:sp>
+      <p:sp>
+        <p:nvSpPr>
+          <p:cNvPr id="49" name="Rectangle 48"/>
+          <p:cNvSpPr/>
+          <p:nvPr/>
+        </p:nvSpPr>
+        <p:spPr>
+          <a:xfrm>
+            <a:off x="2560653" y="4944077"/>
+            <a:ext cx="458780" cy="307777"/>
+          </a:xfrm>
+          <a:prstGeom prst="rect">
+            <a:avLst/>
+          </a:prstGeom>
+          <a:noFill/>
+        </p:spPr>
+        <p:txBody>
+          <a:bodyPr wrap="none" lIns="91440" tIns="45720" rIns="91440" bIns="45720">
+            <a:spAutoFit/>
+          </a:bodyPr>
+          <a:lstStyle/>
+          <a:p>
+            <a:pPr algn="ctr"/>
+            <a:r>
+              <a:rPr lang="en-US" sz="1400" b="0" cap="none" spc="0" smtClean="0">
+                <a:ln w="0"/>
+                <a:solidFill>
+                  <a:schemeClr val="accent1"/>
+                </a:solidFill>
+                <a:effectLst>
+                  <a:outerShdw blurRad="38100" dist="25400" dir="5400000" algn="ctr" rotWithShape="0">
+                    <a:srgbClr val="6E747A">
+                      <a:alpha val="43000"/>
+                    </a:srgbClr>
+                  </a:outerShdw>
+                </a:effectLst>
+              </a:rPr>
+              <a:t>500</a:t>
+            </a:r>
+            <a:endParaRPr lang="en-US" sz="1400" b="0" cap="none" spc="0" dirty="0">
+              <a:ln w="0"/>
+              <a:solidFill>
+                <a:schemeClr val="accent1"/>
+              </a:solidFill>
+              <a:effectLst>
+                <a:outerShdw blurRad="38100" dist="25400" dir="5400000" algn="ctr" rotWithShape="0">
+                  <a:srgbClr val="6E747A">
+                    <a:alpha val="43000"/>
+                  </a:srgbClr>
+                </a:outerShdw>
+              </a:effectLst>
+            </a:endParaRPr>
+          </a:p>
+        </p:txBody>
+      </p:sp>
+      <p:sp>
+        <p:nvSpPr>
+          <p:cNvPr id="50" name="Rectangle 49"/>
+          <p:cNvSpPr/>
+          <p:nvPr/>
+        </p:nvSpPr>
+        <p:spPr>
+          <a:xfrm>
+            <a:off x="2546258" y="5135970"/>
+            <a:ext cx="458780" cy="307777"/>
+          </a:xfrm>
+          <a:prstGeom prst="rect">
+            <a:avLst/>
+          </a:prstGeom>
+          <a:noFill/>
+        </p:spPr>
+        <p:txBody>
+          <a:bodyPr wrap="none" lIns="91440" tIns="45720" rIns="91440" bIns="45720">
+            <a:spAutoFit/>
+          </a:bodyPr>
+          <a:lstStyle/>
+          <a:p>
+            <a:pPr algn="ctr"/>
+            <a:r>
+              <a:rPr lang="en-US" sz="1400" b="0" cap="none" spc="0" dirty="0" smtClean="0">
+                <a:ln w="0"/>
+                <a:solidFill>
+                  <a:schemeClr val="accent1"/>
+                </a:solidFill>
+                <a:effectLst>
+                  <a:outerShdw blurRad="38100" dist="25400" dir="5400000" algn="ctr" rotWithShape="0">
+                    <a:srgbClr val="6E747A">
+                      <a:alpha val="43000"/>
+                    </a:srgbClr>
+                  </a:outerShdw>
+                </a:effectLst>
+              </a:rPr>
+              <a:t>400</a:t>
+            </a:r>
+            <a:endParaRPr lang="en-US" sz="1400" b="0" cap="none" spc="0" dirty="0">
+              <a:ln w="0"/>
+              <a:solidFill>
+                <a:schemeClr val="accent1"/>
+              </a:solidFill>
+              <a:effectLst>
+                <a:outerShdw blurRad="38100" dist="25400" dir="5400000" algn="ctr" rotWithShape="0">
+                  <a:srgbClr val="6E747A">
+                    <a:alpha val="43000"/>
+                  </a:srgbClr>
+                </a:outerShdw>
+              </a:effectLst>
+            </a:endParaRPr>
+          </a:p>
+        </p:txBody>
+      </p:sp>
+      <p:sp>
+        <p:nvSpPr>
+          <p:cNvPr id="51" name="Rectangle 50"/>
+          <p:cNvSpPr/>
+          <p:nvPr/>
+        </p:nvSpPr>
+        <p:spPr>
+          <a:xfrm>
+            <a:off x="2545839" y="5327863"/>
+            <a:ext cx="458780" cy="307777"/>
+          </a:xfrm>
+          <a:prstGeom prst="rect">
+            <a:avLst/>
+          </a:prstGeom>
+          <a:noFill/>
+        </p:spPr>
+        <p:txBody>
+          <a:bodyPr wrap="none" lIns="91440" tIns="45720" rIns="91440" bIns="45720">
+            <a:spAutoFit/>
+          </a:bodyPr>
+          <a:lstStyle/>
+          <a:p>
+            <a:pPr algn="ctr"/>
+            <a:r>
+              <a:rPr lang="en-US" sz="1400" b="0" cap="none" spc="0" dirty="0" smtClean="0">
+                <a:ln w="0"/>
+                <a:solidFill>
+                  <a:schemeClr val="accent1"/>
+                </a:solidFill>
+                <a:effectLst>
+                  <a:outerShdw blurRad="38100" dist="25400" dir="5400000" algn="ctr" rotWithShape="0">
+                    <a:srgbClr val="6E747A">
+                      <a:alpha val="43000"/>
+                    </a:srgbClr>
+                  </a:outerShdw>
+                </a:effectLst>
+              </a:rPr>
+              <a:t>300</a:t>
+            </a:r>
+            <a:endParaRPr lang="en-US" sz="1400" b="0" cap="none" spc="0" dirty="0">
+              <a:ln w="0"/>
+              <a:solidFill>
+                <a:schemeClr val="accent1"/>
+              </a:solidFill>
+              <a:effectLst>
+                <a:outerShdw blurRad="38100" dist="25400" dir="5400000" algn="ctr" rotWithShape="0">
+                  <a:srgbClr val="6E747A">
+                    <a:alpha val="43000"/>
+                  </a:srgbClr>
+                </a:outerShdw>
+              </a:effectLst>
+            </a:endParaRPr>
+          </a:p>
+        </p:txBody>
+      </p:sp>
+      <p:sp>
+        <p:nvSpPr>
+          <p:cNvPr id="53" name="Rectangle 52"/>
+          <p:cNvSpPr/>
+          <p:nvPr/>
+        </p:nvSpPr>
+        <p:spPr>
+          <a:xfrm>
+            <a:off x="2539344" y="5574730"/>
+            <a:ext cx="458780" cy="307777"/>
+          </a:xfrm>
+          <a:prstGeom prst="rect">
+            <a:avLst/>
+          </a:prstGeom>
+          <a:noFill/>
+        </p:spPr>
+        <p:txBody>
+          <a:bodyPr wrap="none" lIns="91440" tIns="45720" rIns="91440" bIns="45720">
+            <a:spAutoFit/>
+          </a:bodyPr>
+          <a:lstStyle/>
+          <a:p>
+            <a:pPr algn="ctr"/>
+            <a:r>
+              <a:rPr lang="en-US" sz="1400" b="0" cap="none" spc="0" dirty="0" smtClean="0">
+                <a:ln w="0"/>
+                <a:solidFill>
+                  <a:schemeClr val="accent1"/>
+                </a:solidFill>
+                <a:effectLst>
+                  <a:outerShdw blurRad="38100" dist="25400" dir="5400000" algn="ctr" rotWithShape="0">
+                    <a:srgbClr val="6E747A">
+                      <a:alpha val="43000"/>
+                    </a:srgbClr>
+                  </a:outerShdw>
+                </a:effectLst>
+              </a:rPr>
+              <a:t>200</a:t>
+            </a:r>
+            <a:endParaRPr lang="en-US" sz="1400" b="0" cap="none" spc="0" dirty="0">
+              <a:ln w="0"/>
+              <a:solidFill>
+                <a:schemeClr val="accent1"/>
+              </a:solidFill>
+              <a:effectLst>
+                <a:outerShdw blurRad="38100" dist="25400" dir="5400000" algn="ctr" rotWithShape="0">
+                  <a:srgbClr val="6E747A">
+                    <a:alpha val="43000"/>
+                  </a:srgbClr>
+                </a:outerShdw>
+              </a:effectLst>
+            </a:endParaRPr>
+          </a:p>
+        </p:txBody>
+      </p:sp>
+      <p:sp>
+        <p:nvSpPr>
+          <p:cNvPr id="55" name="Rectangle 54"/>
+          <p:cNvSpPr/>
+          <p:nvPr/>
+        </p:nvSpPr>
+        <p:spPr>
+          <a:xfrm>
+            <a:off x="2516321" y="5849070"/>
+            <a:ext cx="458780" cy="307777"/>
+          </a:xfrm>
+          <a:prstGeom prst="rect">
+            <a:avLst/>
+          </a:prstGeom>
+          <a:noFill/>
+        </p:spPr>
+        <p:txBody>
+          <a:bodyPr wrap="none" lIns="91440" tIns="45720" rIns="91440" bIns="45720">
+            <a:spAutoFit/>
+          </a:bodyPr>
+          <a:lstStyle/>
+          <a:p>
+            <a:pPr algn="ctr"/>
+            <a:r>
+              <a:rPr lang="en-US" sz="1400" b="0" cap="none" spc="0" dirty="0" smtClean="0">
+                <a:ln w="0"/>
+                <a:solidFill>
+                  <a:schemeClr val="accent1"/>
+                </a:solidFill>
+                <a:effectLst>
+                  <a:outerShdw blurRad="38100" dist="25400" dir="5400000" algn="ctr" rotWithShape="0">
+                    <a:srgbClr val="6E747A">
+                      <a:alpha val="43000"/>
+                    </a:srgbClr>
+                  </a:outerShdw>
+                </a:effectLst>
+              </a:rPr>
+              <a:t>100</a:t>
             </a:r>
             <a:endParaRPr lang="en-US" sz="1400" b="0" cap="none" spc="0" dirty="0">
               <a:ln w="0"/>
